--- a/(宣道詩283)天使報信.pptx
+++ b/(宣道詩283)天使報信.pptx
@@ -18,7 +18,7 @@
     <p:sldId id="266" r:id="rId12"/>
     <p:sldId id="267" r:id="rId13"/>
   </p:sldIdLst>
-  <p:sldSz cx="9144000" cy="6858000" type="screen4x3"/>
+  <p:sldSz cx="9144000" cy="5143500" type="screen16x9"/>
   <p:notesSz cx="6858000" cy="9144000"/>
   <p:defaultTextStyle>
     <a:defPPr>
@@ -147,8 +147,8 @@
         </p:nvSpPr>
         <p:spPr>
           <a:xfrm>
-            <a:off x="685800" y="2130425"/>
-            <a:ext cx="7772400" cy="1470025"/>
+            <a:off x="685800" y="1597819"/>
+            <a:ext cx="7772400" cy="1102519"/>
           </a:xfrm>
         </p:spPr>
         <p:txBody>
@@ -175,8 +175,8 @@
         </p:nvSpPr>
         <p:spPr>
           <a:xfrm>
-            <a:off x="1371600" y="3886200"/>
-            <a:ext cx="6400800" cy="1752600"/>
+            <a:off x="1371600" y="2914650"/>
+            <a:ext cx="6400800" cy="1314450"/>
           </a:xfrm>
         </p:spPr>
         <p:txBody>
@@ -300,7 +300,7 @@
             <a:fld id="{2F879F52-6B60-4C01-BE62-F22035A9CFE0}" type="datetimeFigureOut">
               <a:rPr lang="en-US" smtClean="0"/>
               <a:pPr/>
-              <a:t>12/18/2017</a:t>
+              <a:t>12/21/2019</a:t>
             </a:fld>
             <a:endParaRPr lang="en-US"/>
           </a:p>
@@ -467,7 +467,7 @@
             <a:fld id="{2F879F52-6B60-4C01-BE62-F22035A9CFE0}" type="datetimeFigureOut">
               <a:rPr lang="en-US" smtClean="0"/>
               <a:pPr/>
-              <a:t>12/18/2017</a:t>
+              <a:t>12/21/2019</a:t>
             </a:fld>
             <a:endParaRPr lang="en-US"/>
           </a:p>
@@ -553,8 +553,8 @@
         </p:nvSpPr>
         <p:spPr>
           <a:xfrm>
-            <a:off x="6629400" y="274638"/>
-            <a:ext cx="2057400" cy="5851525"/>
+            <a:off x="6629400" y="205979"/>
+            <a:ext cx="2057400" cy="4388644"/>
           </a:xfrm>
         </p:spPr>
         <p:txBody>
@@ -581,8 +581,8 @@
         </p:nvSpPr>
         <p:spPr>
           <a:xfrm>
-            <a:off x="457200" y="274638"/>
-            <a:ext cx="6019800" cy="5851525"/>
+            <a:off x="457200" y="205979"/>
+            <a:ext cx="6019800" cy="4388644"/>
           </a:xfrm>
         </p:spPr>
         <p:txBody>
@@ -644,7 +644,7 @@
             <a:fld id="{2F879F52-6B60-4C01-BE62-F22035A9CFE0}" type="datetimeFigureOut">
               <a:rPr lang="en-US" smtClean="0"/>
               <a:pPr/>
-              <a:t>12/18/2017</a:t>
+              <a:t>12/21/2019</a:t>
             </a:fld>
             <a:endParaRPr lang="en-US"/>
           </a:p>
@@ -811,7 +811,7 @@
             <a:fld id="{2F879F52-6B60-4C01-BE62-F22035A9CFE0}" type="datetimeFigureOut">
               <a:rPr lang="en-US" smtClean="0"/>
               <a:pPr/>
-              <a:t>12/18/2017</a:t>
+              <a:t>12/21/2019</a:t>
             </a:fld>
             <a:endParaRPr lang="en-US"/>
           </a:p>
@@ -897,8 +897,8 @@
         </p:nvSpPr>
         <p:spPr>
           <a:xfrm>
-            <a:off x="722313" y="4406900"/>
-            <a:ext cx="7772400" cy="1362075"/>
+            <a:off x="722313" y="3305176"/>
+            <a:ext cx="7772400" cy="1021556"/>
           </a:xfrm>
         </p:spPr>
         <p:txBody>
@@ -929,8 +929,8 @@
         </p:nvSpPr>
         <p:spPr>
           <a:xfrm>
-            <a:off x="722313" y="2906713"/>
-            <a:ext cx="7772400" cy="1500187"/>
+            <a:off x="722313" y="2180035"/>
+            <a:ext cx="7772400" cy="1125140"/>
           </a:xfrm>
         </p:spPr>
         <p:txBody>
@@ -1054,7 +1054,7 @@
             <a:fld id="{2F879F52-6B60-4C01-BE62-F22035A9CFE0}" type="datetimeFigureOut">
               <a:rPr lang="en-US" smtClean="0"/>
               <a:pPr/>
-              <a:t>12/18/2017</a:t>
+              <a:t>12/21/2019</a:t>
             </a:fld>
             <a:endParaRPr lang="en-US"/>
           </a:p>
@@ -1163,8 +1163,8 @@
         </p:nvSpPr>
         <p:spPr>
           <a:xfrm>
-            <a:off x="457200" y="1600200"/>
-            <a:ext cx="4038600" cy="4525963"/>
+            <a:off x="457200" y="1200151"/>
+            <a:ext cx="4038600" cy="3394472"/>
           </a:xfrm>
         </p:spPr>
         <p:txBody>
@@ -1248,8 +1248,8 @@
         </p:nvSpPr>
         <p:spPr>
           <a:xfrm>
-            <a:off x="4648200" y="1600200"/>
-            <a:ext cx="4038600" cy="4525963"/>
+            <a:off x="4648200" y="1200151"/>
+            <a:ext cx="4038600" cy="3394472"/>
           </a:xfrm>
         </p:spPr>
         <p:txBody>
@@ -1339,7 +1339,7 @@
             <a:fld id="{2F879F52-6B60-4C01-BE62-F22035A9CFE0}" type="datetimeFigureOut">
               <a:rPr lang="en-US" smtClean="0"/>
               <a:pPr/>
-              <a:t>12/18/2017</a:t>
+              <a:t>12/21/2019</a:t>
             </a:fld>
             <a:endParaRPr lang="en-US"/>
           </a:p>
@@ -1452,8 +1452,8 @@
         </p:nvSpPr>
         <p:spPr>
           <a:xfrm>
-            <a:off x="457200" y="1535113"/>
-            <a:ext cx="4040188" cy="639762"/>
+            <a:off x="457200" y="1151335"/>
+            <a:ext cx="4040188" cy="479822"/>
           </a:xfrm>
         </p:spPr>
         <p:txBody>
@@ -1517,8 +1517,8 @@
         </p:nvSpPr>
         <p:spPr>
           <a:xfrm>
-            <a:off x="457200" y="2174875"/>
-            <a:ext cx="4040188" cy="3951288"/>
+            <a:off x="457200" y="1631156"/>
+            <a:ext cx="4040188" cy="2963466"/>
           </a:xfrm>
         </p:spPr>
         <p:txBody>
@@ -1602,8 +1602,8 @@
         </p:nvSpPr>
         <p:spPr>
           <a:xfrm>
-            <a:off x="4645025" y="1535113"/>
-            <a:ext cx="4041775" cy="639762"/>
+            <a:off x="4645026" y="1151335"/>
+            <a:ext cx="4041775" cy="479822"/>
           </a:xfrm>
         </p:spPr>
         <p:txBody>
@@ -1667,8 +1667,8 @@
         </p:nvSpPr>
         <p:spPr>
           <a:xfrm>
-            <a:off x="4645025" y="2174875"/>
-            <a:ext cx="4041775" cy="3951288"/>
+            <a:off x="4645026" y="1631156"/>
+            <a:ext cx="4041775" cy="2963466"/>
           </a:xfrm>
         </p:spPr>
         <p:txBody>
@@ -1758,7 +1758,7 @@
             <a:fld id="{2F879F52-6B60-4C01-BE62-F22035A9CFE0}" type="datetimeFigureOut">
               <a:rPr lang="en-US" smtClean="0"/>
               <a:pPr/>
-              <a:t>12/18/2017</a:t>
+              <a:t>12/21/2019</a:t>
             </a:fld>
             <a:endParaRPr lang="en-US"/>
           </a:p>
@@ -1873,7 +1873,7 @@
             <a:fld id="{2F879F52-6B60-4C01-BE62-F22035A9CFE0}" type="datetimeFigureOut">
               <a:rPr lang="en-US" smtClean="0"/>
               <a:pPr/>
-              <a:t>12/18/2017</a:t>
+              <a:t>12/21/2019</a:t>
             </a:fld>
             <a:endParaRPr lang="en-US"/>
           </a:p>
@@ -1965,7 +1965,7 @@
             <a:fld id="{2F879F52-6B60-4C01-BE62-F22035A9CFE0}" type="datetimeFigureOut">
               <a:rPr lang="en-US" smtClean="0"/>
               <a:pPr/>
-              <a:t>12/18/2017</a:t>
+              <a:t>12/21/2019</a:t>
             </a:fld>
             <a:endParaRPr lang="en-US"/>
           </a:p>
@@ -2051,8 +2051,8 @@
         </p:nvSpPr>
         <p:spPr>
           <a:xfrm>
-            <a:off x="457200" y="273050"/>
-            <a:ext cx="3008313" cy="1162050"/>
+            <a:off x="457201" y="204787"/>
+            <a:ext cx="3008313" cy="871538"/>
           </a:xfrm>
         </p:spPr>
         <p:txBody>
@@ -2083,8 +2083,8 @@
         </p:nvSpPr>
         <p:spPr>
           <a:xfrm>
-            <a:off x="3575050" y="273050"/>
-            <a:ext cx="5111750" cy="5853113"/>
+            <a:off x="3575050" y="204788"/>
+            <a:ext cx="5111750" cy="4389835"/>
           </a:xfrm>
         </p:spPr>
         <p:txBody>
@@ -2168,8 +2168,8 @@
         </p:nvSpPr>
         <p:spPr>
           <a:xfrm>
-            <a:off x="457200" y="1435100"/>
-            <a:ext cx="3008313" cy="4691063"/>
+            <a:off x="457201" y="1076326"/>
+            <a:ext cx="3008313" cy="3518297"/>
           </a:xfrm>
         </p:spPr>
         <p:txBody>
@@ -2239,7 +2239,7 @@
             <a:fld id="{2F879F52-6B60-4C01-BE62-F22035A9CFE0}" type="datetimeFigureOut">
               <a:rPr lang="en-US" smtClean="0"/>
               <a:pPr/>
-              <a:t>12/18/2017</a:t>
+              <a:t>12/21/2019</a:t>
             </a:fld>
             <a:endParaRPr lang="en-US"/>
           </a:p>
@@ -2325,8 +2325,8 @@
         </p:nvSpPr>
         <p:spPr>
           <a:xfrm>
-            <a:off x="1792288" y="4800600"/>
-            <a:ext cx="5486400" cy="566738"/>
+            <a:off x="1792288" y="3600450"/>
+            <a:ext cx="5486400" cy="425054"/>
           </a:xfrm>
         </p:spPr>
         <p:txBody>
@@ -2357,8 +2357,8 @@
         </p:nvSpPr>
         <p:spPr>
           <a:xfrm>
-            <a:off x="1792288" y="612775"/>
-            <a:ext cx="5486400" cy="4114800"/>
+            <a:off x="1792288" y="459581"/>
+            <a:ext cx="5486400" cy="3086100"/>
           </a:xfrm>
         </p:spPr>
         <p:txBody>
@@ -2422,8 +2422,8 @@
         </p:nvSpPr>
         <p:spPr>
           <a:xfrm>
-            <a:off x="1792288" y="5367338"/>
-            <a:ext cx="5486400" cy="804862"/>
+            <a:off x="1792288" y="4025503"/>
+            <a:ext cx="5486400" cy="603647"/>
           </a:xfrm>
         </p:spPr>
         <p:txBody>
@@ -2493,7 +2493,7 @@
             <a:fld id="{2F879F52-6B60-4C01-BE62-F22035A9CFE0}" type="datetimeFigureOut">
               <a:rPr lang="en-US" smtClean="0"/>
               <a:pPr/>
-              <a:t>12/18/2017</a:t>
+              <a:t>12/21/2019</a:t>
             </a:fld>
             <a:endParaRPr lang="en-US"/>
           </a:p>
@@ -2589,8 +2589,8 @@
         </p:nvSpPr>
         <p:spPr>
           <a:xfrm>
-            <a:off x="457200" y="274638"/>
-            <a:ext cx="8229600" cy="1143000"/>
+            <a:off x="457200" y="205978"/>
+            <a:ext cx="8229600" cy="857250"/>
           </a:xfrm>
           <a:prstGeom prst="rect">
             <a:avLst/>
@@ -2622,8 +2622,8 @@
         </p:nvSpPr>
         <p:spPr>
           <a:xfrm>
-            <a:off x="457200" y="1600200"/>
-            <a:ext cx="8229600" cy="4525963"/>
+            <a:off x="457200" y="1200151"/>
+            <a:ext cx="8229600" cy="3394472"/>
           </a:xfrm>
           <a:prstGeom prst="rect">
             <a:avLst/>
@@ -2684,8 +2684,8 @@
         </p:nvSpPr>
         <p:spPr>
           <a:xfrm>
-            <a:off x="457200" y="6356350"/>
-            <a:ext cx="2133600" cy="365125"/>
+            <a:off x="457200" y="4767263"/>
+            <a:ext cx="2133600" cy="273844"/>
           </a:xfrm>
           <a:prstGeom prst="rect">
             <a:avLst/>
@@ -2708,7 +2708,7 @@
             <a:fld id="{2F879F52-6B60-4C01-BE62-F22035A9CFE0}" type="datetimeFigureOut">
               <a:rPr lang="en-US" smtClean="0"/>
               <a:pPr/>
-              <a:t>12/18/2017</a:t>
+              <a:t>12/21/2019</a:t>
             </a:fld>
             <a:endParaRPr lang="en-US"/>
           </a:p>
@@ -2726,8 +2726,8 @@
         </p:nvSpPr>
         <p:spPr>
           <a:xfrm>
-            <a:off x="3124200" y="6356350"/>
-            <a:ext cx="2895600" cy="365125"/>
+            <a:off x="3124200" y="4767263"/>
+            <a:ext cx="2895600" cy="273844"/>
           </a:xfrm>
           <a:prstGeom prst="rect">
             <a:avLst/>
@@ -2763,8 +2763,8 @@
         </p:nvSpPr>
         <p:spPr>
           <a:xfrm>
-            <a:off x="6553200" y="6356350"/>
-            <a:ext cx="2133600" cy="365125"/>
+            <a:off x="6553200" y="4767263"/>
+            <a:ext cx="2133600" cy="273844"/>
           </a:xfrm>
           <a:prstGeom prst="rect">
             <a:avLst/>
@@ -3127,7 +3127,7 @@
         <p:spPr/>
         <p:txBody>
           <a:bodyPr>
-            <a:normAutofit/>
+            <a:normAutofit fontScale="92500" lnSpcReduction="10000"/>
           </a:bodyPr>
           <a:lstStyle/>
           <a:p>
@@ -3255,6 +3255,13 @@
   <p:clrMapOvr>
     <a:masterClrMapping/>
   </p:clrMapOvr>
+  <p:timing>
+    <p:tnLst>
+      <p:par>
+        <p:cTn id="1" dur="indefinite" restart="never" nodeType="tmRoot"/>
+      </p:par>
+    </p:tnLst>
+  </p:timing>
 </p:sld>
 </file>
 
@@ -3323,7 +3330,7 @@
         <p:spPr/>
         <p:txBody>
           <a:bodyPr>
-            <a:normAutofit/>
+            <a:normAutofit fontScale="92500" lnSpcReduction="10000"/>
           </a:bodyPr>
           <a:lstStyle/>
           <a:p>
@@ -3431,6 +3438,13 @@
   <p:clrMapOvr>
     <a:masterClrMapping/>
   </p:clrMapOvr>
+  <p:timing>
+    <p:tnLst>
+      <p:par>
+        <p:cTn id="1" dur="indefinite" restart="never" nodeType="tmRoot"/>
+      </p:par>
+    </p:tnLst>
+  </p:timing>
 </p:sld>
 </file>
 
@@ -3563,6 +3577,13 @@
   <p:clrMapOvr>
     <a:masterClrMapping/>
   </p:clrMapOvr>
+  <p:timing>
+    <p:tnLst>
+      <p:par>
+        <p:cTn id="1" dur="indefinite" restart="never" nodeType="tmRoot"/>
+      </p:par>
+    </p:tnLst>
+  </p:timing>
 </p:sld>
 </file>
 
@@ -3631,7 +3652,7 @@
         <p:spPr/>
         <p:txBody>
           <a:bodyPr>
-            <a:normAutofit/>
+            <a:normAutofit fontScale="92500" lnSpcReduction="10000"/>
           </a:bodyPr>
           <a:lstStyle/>
           <a:p>
@@ -3739,6 +3760,13 @@
   <p:clrMapOvr>
     <a:masterClrMapping/>
   </p:clrMapOvr>
+  <p:timing>
+    <p:tnLst>
+      <p:par>
+        <p:cTn id="1" dur="indefinite" restart="never" nodeType="tmRoot"/>
+      </p:par>
+    </p:tnLst>
+  </p:timing>
 </p:sld>
 </file>
 
@@ -3861,6 +3889,13 @@
   <p:clrMapOvr>
     <a:masterClrMapping/>
   </p:clrMapOvr>
+  <p:timing>
+    <p:tnLst>
+      <p:par>
+        <p:cTn id="1" dur="indefinite" restart="never" nodeType="tmRoot"/>
+      </p:par>
+    </p:tnLst>
+  </p:timing>
 </p:sld>
 </file>
 
@@ -3929,7 +3964,7 @@
         <p:spPr/>
         <p:txBody>
           <a:bodyPr>
-            <a:normAutofit/>
+            <a:normAutofit fontScale="92500" lnSpcReduction="10000"/>
           </a:bodyPr>
           <a:lstStyle/>
           <a:p>
@@ -4037,6 +4072,13 @@
   <p:clrMapOvr>
     <a:masterClrMapping/>
   </p:clrMapOvr>
+  <p:timing>
+    <p:tnLst>
+      <p:par>
+        <p:cTn id="1" dur="indefinite" restart="never" nodeType="tmRoot"/>
+      </p:par>
+    </p:tnLst>
+  </p:timing>
 </p:sld>
 </file>
 
@@ -4105,7 +4147,7 @@
         <p:spPr/>
         <p:txBody>
           <a:bodyPr>
-            <a:normAutofit/>
+            <a:normAutofit fontScale="92500" lnSpcReduction="10000"/>
           </a:bodyPr>
           <a:lstStyle/>
           <a:p>
@@ -4233,6 +4275,13 @@
   <p:clrMapOvr>
     <a:masterClrMapping/>
   </p:clrMapOvr>
+  <p:timing>
+    <p:tnLst>
+      <p:par>
+        <p:cTn id="1" dur="indefinite" restart="never" nodeType="tmRoot"/>
+      </p:par>
+    </p:tnLst>
+  </p:timing>
 </p:sld>
 </file>
 
@@ -4355,6 +4404,13 @@
   <p:clrMapOvr>
     <a:masterClrMapping/>
   </p:clrMapOvr>
+  <p:timing>
+    <p:tnLst>
+      <p:par>
+        <p:cTn id="1" dur="indefinite" restart="never" nodeType="tmRoot"/>
+      </p:par>
+    </p:tnLst>
+  </p:timing>
 </p:sld>
 </file>
 
@@ -4423,7 +4479,7 @@
         <p:spPr/>
         <p:txBody>
           <a:bodyPr>
-            <a:normAutofit/>
+            <a:normAutofit fontScale="92500" lnSpcReduction="10000"/>
           </a:bodyPr>
           <a:lstStyle/>
           <a:p>
@@ -4521,6 +4577,13 @@
   <p:clrMapOvr>
     <a:masterClrMapping/>
   </p:clrMapOvr>
+  <p:timing>
+    <p:tnLst>
+      <p:par>
+        <p:cTn id="1" dur="indefinite" restart="never" nodeType="tmRoot"/>
+      </p:par>
+    </p:tnLst>
+  </p:timing>
 </p:sld>
 </file>
 
@@ -4589,7 +4652,7 @@
         <p:spPr/>
         <p:txBody>
           <a:bodyPr>
-            <a:normAutofit/>
+            <a:normAutofit fontScale="92500" lnSpcReduction="10000"/>
           </a:bodyPr>
           <a:lstStyle/>
           <a:p>
@@ -4697,6 +4760,13 @@
   <p:clrMapOvr>
     <a:masterClrMapping/>
   </p:clrMapOvr>
+  <p:timing>
+    <p:tnLst>
+      <p:par>
+        <p:cTn id="1" dur="indefinite" restart="never" nodeType="tmRoot"/>
+      </p:par>
+    </p:tnLst>
+  </p:timing>
 </p:sld>
 </file>
 
@@ -4829,6 +4899,13 @@
   <p:clrMapOvr>
     <a:masterClrMapping/>
   </p:clrMapOvr>
+  <p:timing>
+    <p:tnLst>
+      <p:par>
+        <p:cTn id="1" dur="indefinite" restart="never" nodeType="tmRoot"/>
+      </p:par>
+    </p:tnLst>
+  </p:timing>
 </p:sld>
 </file>
 
@@ -4897,7 +4974,7 @@
         <p:spPr/>
         <p:txBody>
           <a:bodyPr>
-            <a:normAutofit/>
+            <a:normAutofit fontScale="92500" lnSpcReduction="10000"/>
           </a:bodyPr>
           <a:lstStyle/>
           <a:p>
@@ -4995,6 +5072,13 @@
   <p:clrMapOvr>
     <a:masterClrMapping/>
   </p:clrMapOvr>
+  <p:timing>
+    <p:tnLst>
+      <p:par>
+        <p:cTn id="1" dur="indefinite" restart="never" nodeType="tmRoot"/>
+      </p:par>
+    </p:tnLst>
+  </p:timing>
 </p:sld>
 </file>
 
